--- a/Transformation.pptx
+++ b/Transformation.pptx
@@ -6,9 +6,9 @@
   </p:sldMasterIdLst>
   <p:sldIdLst>
     <p:sldId id="261" r:id="rId2"/>
-    <p:sldId id="258" r:id="rId3"/>
-    <p:sldId id="259" r:id="rId4"/>
-    <p:sldId id="260" r:id="rId5"/>
+    <p:sldId id="259" r:id="rId3"/>
+    <p:sldId id="260" r:id="rId4"/>
+    <p:sldId id="262" r:id="rId5"/>
   </p:sldIdLst>
   <p:sldSz cx="9144000" cy="6858000" type="screen4x3"/>
   <p:notesSz cx="6858000" cy="9144000"/>
@@ -107,6 +107,11 @@
       </a:defRPr>
     </a:lvl9pPr>
   </p:defaultTextStyle>
+  <p:extLst>
+    <p:ext uri="{EFAFB233-063F-42B5-8137-9DF3F51BA10A}">
+      <p15:sldGuideLst xmlns:p15="http://schemas.microsoft.com/office/powerpoint/2012/main"/>
+    </p:ext>
+  </p:extLst>
 </p:presentation>
 </file>
 
@@ -241,7 +246,7 @@
           <a:p>
             <a:fld id="{0BADDFC9-CC11-4C94-91A5-8AACE9082B85}" type="datetimeFigureOut">
               <a:rPr lang="en-US" smtClean="0"/>
-              <a:t>5/18/2016</a:t>
+              <a:t>5/20/2016</a:t>
             </a:fld>
             <a:endParaRPr lang="en-US"/>
           </a:p>
@@ -411,7 +416,7 @@
           <a:p>
             <a:fld id="{0BADDFC9-CC11-4C94-91A5-8AACE9082B85}" type="datetimeFigureOut">
               <a:rPr lang="en-US" smtClean="0"/>
-              <a:t>5/18/2016</a:t>
+              <a:t>5/20/2016</a:t>
             </a:fld>
             <a:endParaRPr lang="en-US"/>
           </a:p>
@@ -591,7 +596,7 @@
           <a:p>
             <a:fld id="{0BADDFC9-CC11-4C94-91A5-8AACE9082B85}" type="datetimeFigureOut">
               <a:rPr lang="en-US" smtClean="0"/>
-              <a:t>5/18/2016</a:t>
+              <a:t>5/20/2016</a:t>
             </a:fld>
             <a:endParaRPr lang="en-US"/>
           </a:p>
@@ -761,7 +766,7 @@
           <a:p>
             <a:fld id="{0BADDFC9-CC11-4C94-91A5-8AACE9082B85}" type="datetimeFigureOut">
               <a:rPr lang="en-US" smtClean="0"/>
-              <a:t>5/18/2016</a:t>
+              <a:t>5/20/2016</a:t>
             </a:fld>
             <a:endParaRPr lang="en-US"/>
           </a:p>
@@ -1005,7 +1010,7 @@
           <a:p>
             <a:fld id="{0BADDFC9-CC11-4C94-91A5-8AACE9082B85}" type="datetimeFigureOut">
               <a:rPr lang="en-US" smtClean="0"/>
-              <a:t>5/18/2016</a:t>
+              <a:t>5/20/2016</a:t>
             </a:fld>
             <a:endParaRPr lang="en-US"/>
           </a:p>
@@ -1237,7 +1242,7 @@
           <a:p>
             <a:fld id="{0BADDFC9-CC11-4C94-91A5-8AACE9082B85}" type="datetimeFigureOut">
               <a:rPr lang="en-US" smtClean="0"/>
-              <a:t>5/18/2016</a:t>
+              <a:t>5/20/2016</a:t>
             </a:fld>
             <a:endParaRPr lang="en-US"/>
           </a:p>
@@ -1604,7 +1609,7 @@
           <a:p>
             <a:fld id="{0BADDFC9-CC11-4C94-91A5-8AACE9082B85}" type="datetimeFigureOut">
               <a:rPr lang="en-US" smtClean="0"/>
-              <a:t>5/18/2016</a:t>
+              <a:t>5/20/2016</a:t>
             </a:fld>
             <a:endParaRPr lang="en-US"/>
           </a:p>
@@ -1722,7 +1727,7 @@
           <a:p>
             <a:fld id="{0BADDFC9-CC11-4C94-91A5-8AACE9082B85}" type="datetimeFigureOut">
               <a:rPr lang="en-US" smtClean="0"/>
-              <a:t>5/18/2016</a:t>
+              <a:t>5/20/2016</a:t>
             </a:fld>
             <a:endParaRPr lang="en-US"/>
           </a:p>
@@ -1817,7 +1822,7 @@
           <a:p>
             <a:fld id="{0BADDFC9-CC11-4C94-91A5-8AACE9082B85}" type="datetimeFigureOut">
               <a:rPr lang="en-US" smtClean="0"/>
-              <a:t>5/18/2016</a:t>
+              <a:t>5/20/2016</a:t>
             </a:fld>
             <a:endParaRPr lang="en-US"/>
           </a:p>
@@ -2094,7 +2099,7 @@
           <a:p>
             <a:fld id="{0BADDFC9-CC11-4C94-91A5-8AACE9082B85}" type="datetimeFigureOut">
               <a:rPr lang="en-US" smtClean="0"/>
-              <a:t>5/18/2016</a:t>
+              <a:t>5/20/2016</a:t>
             </a:fld>
             <a:endParaRPr lang="en-US"/>
           </a:p>
@@ -2351,7 +2356,7 @@
           <a:p>
             <a:fld id="{0BADDFC9-CC11-4C94-91A5-8AACE9082B85}" type="datetimeFigureOut">
               <a:rPr lang="en-US" smtClean="0"/>
-              <a:t>5/18/2016</a:t>
+              <a:t>5/20/2016</a:t>
             </a:fld>
             <a:endParaRPr lang="en-US"/>
           </a:p>
@@ -2564,7 +2569,7 @@
           <a:p>
             <a:fld id="{0BADDFC9-CC11-4C94-91A5-8AACE9082B85}" type="datetimeFigureOut">
               <a:rPr lang="en-US" smtClean="0"/>
-              <a:t>5/18/2016</a:t>
+              <a:t>5/20/2016</a:t>
             </a:fld>
             <a:endParaRPr lang="en-US"/>
           </a:p>
@@ -3795,8 +3800,8 @@
         </p:nvSpPr>
         <p:spPr>
           <a:xfrm>
-            <a:off x="2717321" y="3933641"/>
-            <a:ext cx="4899804" cy="1561381"/>
+            <a:off x="1953069" y="3933641"/>
+            <a:ext cx="5664056" cy="1561381"/>
           </a:xfrm>
           <a:prstGeom prst="rect">
             <a:avLst/>
@@ -3829,7 +3834,7 @@
                   <a:schemeClr val="tx1"/>
                 </a:solidFill>
               </a:rPr>
-              <a:t>testdsbody</a:t>
+              <a:t>testds</a:t>
             </a:r>
             <a:endParaRPr lang="en-US" dirty="0">
               <a:solidFill>
@@ -3847,8 +3852,8 @@
         </p:nvSpPr>
         <p:spPr>
           <a:xfrm>
-            <a:off x="2717321" y="1242205"/>
-            <a:ext cx="4899804" cy="2309004"/>
+            <a:off x="1953069" y="1226707"/>
+            <a:ext cx="5664056" cy="2309004"/>
           </a:xfrm>
           <a:prstGeom prst="rect">
             <a:avLst/>
@@ -3881,7 +3886,7 @@
                   <a:schemeClr val="tx1"/>
                 </a:solidFill>
               </a:rPr>
-              <a:t>traindsbody</a:t>
+              <a:t>trainds</a:t>
             </a:r>
             <a:endParaRPr lang="en-US" dirty="0">
               <a:solidFill>
@@ -3893,32 +3898,21 @@
       </p:sp>
       <p:sp>
         <p:nvSpPr>
-          <p:cNvPr id="5" name="Rectangle 4"/>
+          <p:cNvPr id="8" name="Rectangle 7"/>
           <p:cNvSpPr/>
           <p:nvPr/>
         </p:nvSpPr>
         <p:spPr>
           <a:xfrm>
-            <a:off x="1906575" y="3933638"/>
-            <a:ext cx="763828" cy="1561381"/>
+            <a:off x="2717321" y="925718"/>
+            <a:ext cx="4899804" cy="284672"/>
           </a:xfrm>
           <a:prstGeom prst="rect">
             <a:avLst/>
           </a:prstGeom>
           <a:solidFill>
-            <a:schemeClr val="accent2">
-              <a:lumMod val="60000"/>
-              <a:lumOff val="40000"/>
-            </a:schemeClr>
+            <a:schemeClr val="bg1"/>
           </a:solidFill>
-          <a:ln>
-            <a:solidFill>
-              <a:schemeClr val="accent2">
-                <a:lumMod val="60000"/>
-                <a:lumOff val="40000"/>
-              </a:schemeClr>
-            </a:solidFill>
-          </a:ln>
         </p:spPr>
         <p:style>
           <a:lnRef idx="2">
@@ -3937,24 +3931,19 @@
           </a:fontRef>
         </p:style>
         <p:txBody>
-          <a:bodyPr rot="0" spcFirstLastPara="0" vertOverflow="overflow" horzOverflow="overflow" vert="vert270" wrap="square" lIns="91440" tIns="45720" rIns="91440" bIns="45720" numCol="1" spcCol="0" rtlCol="0" fromWordArt="0" anchor="ctr" anchorCtr="0" forceAA="0" compatLnSpc="1">
-            <a:prstTxWarp prst="textNoShape">
-              <a:avLst/>
-            </a:prstTxWarp>
-            <a:noAutofit/>
-          </a:bodyPr>
+          <a:bodyPr rtlCol="0" anchor="ctr"/>
           <a:lstStyle/>
           <a:p>
             <a:pPr algn="ctr"/>
             <a:r>
-              <a:rPr lang="en-US" smtClean="0">
+              <a:rPr lang="en-US" sz="1200" dirty="0" err="1" smtClean="0">
                 <a:solidFill>
                   <a:schemeClr val="tx1"/>
                 </a:solidFill>
               </a:rPr>
-              <a:t>testActSubId</a:t>
-            </a:r>
-            <a:endParaRPr lang="en-US" dirty="0">
+              <a:t>featuretxt</a:t>
+            </a:r>
+            <a:endParaRPr lang="en-US" sz="1200" dirty="0">
               <a:solidFill>
                 <a:schemeClr val="tx1"/>
               </a:solidFill>
@@ -3964,32 +3953,21 @@
       </p:sp>
       <p:sp>
         <p:nvSpPr>
-          <p:cNvPr id="7" name="Rectangle 6"/>
+          <p:cNvPr id="9" name="Rectangle 8"/>
           <p:cNvSpPr/>
           <p:nvPr/>
         </p:nvSpPr>
         <p:spPr>
           <a:xfrm>
-            <a:off x="1906574" y="1242205"/>
-            <a:ext cx="763829" cy="2309004"/>
+            <a:off x="2725947" y="3620307"/>
+            <a:ext cx="4899804" cy="284672"/>
           </a:xfrm>
           <a:prstGeom prst="rect">
             <a:avLst/>
           </a:prstGeom>
           <a:solidFill>
-            <a:schemeClr val="accent2">
-              <a:lumMod val="60000"/>
-              <a:lumOff val="40000"/>
-            </a:schemeClr>
+            <a:schemeClr val="bg1"/>
           </a:solidFill>
-          <a:ln>
-            <a:solidFill>
-              <a:schemeClr val="accent2">
-                <a:lumMod val="60000"/>
-                <a:lumOff val="40000"/>
-              </a:schemeClr>
-            </a:solidFill>
-          </a:ln>
         </p:spPr>
         <p:style>
           <a:lnRef idx="2">
@@ -4008,19 +3986,19 @@
           </a:fontRef>
         </p:style>
         <p:txBody>
-          <a:bodyPr vert="vert270" rtlCol="0" anchor="ctr"/>
+          <a:bodyPr rtlCol="0" anchor="ctr"/>
           <a:lstStyle/>
           <a:p>
             <a:pPr algn="ctr"/>
             <a:r>
-              <a:rPr lang="en-US" smtClean="0">
+              <a:rPr lang="en-US" sz="1200" dirty="0" err="1" smtClean="0">
                 <a:solidFill>
                   <a:schemeClr val="tx1"/>
                 </a:solidFill>
               </a:rPr>
-              <a:t>trainActSubId</a:t>
-            </a:r>
-            <a:endParaRPr lang="en-US" dirty="0">
+              <a:t>featuretxt</a:t>
+            </a:r>
+            <a:endParaRPr lang="en-US" sz="1200" dirty="0">
               <a:solidFill>
                 <a:schemeClr val="tx1"/>
               </a:solidFill>
@@ -4030,14 +4008,14 @@
       </p:sp>
       <p:sp>
         <p:nvSpPr>
-          <p:cNvPr id="8" name="Rectangle 7"/>
+          <p:cNvPr id="10" name="Rectangle 9"/>
           <p:cNvSpPr/>
           <p:nvPr/>
         </p:nvSpPr>
         <p:spPr>
           <a:xfrm>
-            <a:off x="2717321" y="923901"/>
-            <a:ext cx="4899804" cy="284672"/>
+            <a:off x="2315500" y="3620307"/>
+            <a:ext cx="412394" cy="284672"/>
           </a:xfrm>
           <a:prstGeom prst="rect">
             <a:avLst/>
@@ -4063,19 +4041,27 @@
           </a:fontRef>
         </p:style>
         <p:txBody>
-          <a:bodyPr rtlCol="0" anchor="ctr"/>
+          <a:bodyPr wrap="none" rtlCol="0" anchor="ctr"/>
           <a:lstStyle/>
           <a:p>
             <a:pPr algn="ctr"/>
             <a:r>
-              <a:rPr lang="en-US" sz="1200" dirty="0" err="1" smtClean="0">
+              <a:rPr lang="en-US" sz="1000" dirty="0">
                 <a:solidFill>
                   <a:schemeClr val="tx1"/>
                 </a:solidFill>
               </a:rPr>
-              <a:t>featuretxt</a:t>
-            </a:r>
-            <a:endParaRPr lang="en-US" sz="1200" dirty="0">
+              <a:t>S</a:t>
+            </a:r>
+            <a:r>
+              <a:rPr lang="en-US" sz="1000" dirty="0" smtClean="0">
+                <a:solidFill>
+                  <a:schemeClr val="tx1"/>
+                </a:solidFill>
+              </a:rPr>
+              <a:t>ubject</a:t>
+            </a:r>
+            <a:endParaRPr lang="en-US" sz="1000" dirty="0">
               <a:solidFill>
                 <a:schemeClr val="tx1"/>
               </a:solidFill>
@@ -4085,14 +4071,14 @@
       </p:sp>
       <p:sp>
         <p:nvSpPr>
-          <p:cNvPr id="9" name="Rectangle 8"/>
+          <p:cNvPr id="11" name="Rectangle 10"/>
           <p:cNvSpPr/>
           <p:nvPr/>
         </p:nvSpPr>
         <p:spPr>
           <a:xfrm>
-            <a:off x="2725947" y="3623088"/>
-            <a:ext cx="4899804" cy="284672"/>
+            <a:off x="1918826" y="3620307"/>
+            <a:ext cx="412394" cy="284672"/>
           </a:xfrm>
           <a:prstGeom prst="rect">
             <a:avLst/>
@@ -4118,19 +4104,19 @@
           </a:fontRef>
         </p:style>
         <p:txBody>
-          <a:bodyPr rtlCol="0" anchor="ctr"/>
+          <a:bodyPr wrap="none" rtlCol="0" anchor="ctr"/>
           <a:lstStyle/>
           <a:p>
             <a:pPr algn="ctr"/>
             <a:r>
-              <a:rPr lang="en-US" sz="1200" dirty="0" err="1" smtClean="0">
+              <a:rPr lang="en-US" sz="1000" dirty="0" smtClean="0">
                 <a:solidFill>
                   <a:schemeClr val="tx1"/>
                 </a:solidFill>
               </a:rPr>
-              <a:t>featuretxt</a:t>
-            </a:r>
-            <a:endParaRPr lang="en-US" sz="1200" dirty="0">
+              <a:t>Activity</a:t>
+            </a:r>
+            <a:endParaRPr lang="en-US" sz="1000" dirty="0">
               <a:solidFill>
                 <a:schemeClr val="tx1"/>
               </a:solidFill>
@@ -4140,13 +4126,13 @@
       </p:sp>
       <p:sp>
         <p:nvSpPr>
-          <p:cNvPr id="10" name="Rectangle 9"/>
+          <p:cNvPr id="12" name="Rectangle 11"/>
           <p:cNvSpPr/>
           <p:nvPr/>
         </p:nvSpPr>
         <p:spPr>
           <a:xfrm>
-            <a:off x="2295500" y="3617526"/>
+            <a:off x="2334245" y="925718"/>
             <a:ext cx="374904" cy="284672"/>
           </a:xfrm>
           <a:prstGeom prst="rect">
@@ -4178,20 +4164,12 @@
           <a:p>
             <a:pPr algn="ctr"/>
             <a:r>
-              <a:rPr lang="en-US" sz="1000" dirty="0">
+              <a:rPr lang="en-US" sz="1000" dirty="0" smtClean="0">
                 <a:solidFill>
                   <a:schemeClr val="tx1"/>
                 </a:solidFill>
               </a:rPr>
-              <a:t>S</a:t>
-            </a:r>
-            <a:r>
-              <a:rPr lang="en-US" sz="1000" dirty="0" smtClean="0">
-                <a:solidFill>
-                  <a:schemeClr val="tx1"/>
-                </a:solidFill>
-              </a:rPr>
-              <a:t>ubject</a:t>
+              <a:t>Subject</a:t>
             </a:r>
             <a:endParaRPr lang="en-US" sz="1000" dirty="0">
               <a:solidFill>
@@ -4203,13 +4181,13 @@
       </p:sp>
       <p:sp>
         <p:nvSpPr>
-          <p:cNvPr id="11" name="Rectangle 10"/>
+          <p:cNvPr id="13" name="Rectangle 12"/>
           <p:cNvSpPr/>
           <p:nvPr/>
         </p:nvSpPr>
         <p:spPr>
           <a:xfrm>
-            <a:off x="1898826" y="3622344"/>
+            <a:off x="1953069" y="925718"/>
             <a:ext cx="374904" cy="284672"/>
           </a:xfrm>
           <a:prstGeom prst="rect">
@@ -4256,120 +4234,10 @@
           </a:p>
         </p:txBody>
       </p:sp>
-      <p:sp>
-        <p:nvSpPr>
-          <p:cNvPr id="12" name="Rectangle 11"/>
-          <p:cNvSpPr/>
-          <p:nvPr/>
-        </p:nvSpPr>
-        <p:spPr>
-          <a:xfrm>
-            <a:off x="2295500" y="923901"/>
-            <a:ext cx="374904" cy="284672"/>
-          </a:xfrm>
-          <a:prstGeom prst="rect">
-            <a:avLst/>
-          </a:prstGeom>
-          <a:solidFill>
-            <a:schemeClr val="bg1"/>
-          </a:solidFill>
-        </p:spPr>
-        <p:style>
-          <a:lnRef idx="2">
-            <a:schemeClr val="accent1">
-              <a:shade val="50000"/>
-            </a:schemeClr>
-          </a:lnRef>
-          <a:fillRef idx="1">
-            <a:schemeClr val="accent1"/>
-          </a:fillRef>
-          <a:effectRef idx="0">
-            <a:schemeClr val="accent1"/>
-          </a:effectRef>
-          <a:fontRef idx="minor">
-            <a:schemeClr val="lt1"/>
-          </a:fontRef>
-        </p:style>
-        <p:txBody>
-          <a:bodyPr wrap="none" rtlCol="0" anchor="ctr"/>
-          <a:lstStyle/>
-          <a:p>
-            <a:pPr algn="ctr"/>
-            <a:r>
-              <a:rPr lang="en-US" sz="1000" dirty="0" smtClean="0">
-                <a:solidFill>
-                  <a:schemeClr val="tx1"/>
-                </a:solidFill>
-              </a:rPr>
-              <a:t>Subject</a:t>
-            </a:r>
-            <a:endParaRPr lang="en-US" sz="1000" dirty="0">
-              <a:solidFill>
-                <a:schemeClr val="tx1"/>
-              </a:solidFill>
-            </a:endParaRPr>
-          </a:p>
-        </p:txBody>
-      </p:sp>
-      <p:sp>
-        <p:nvSpPr>
-          <p:cNvPr id="13" name="Rectangle 12"/>
-          <p:cNvSpPr/>
-          <p:nvPr/>
-        </p:nvSpPr>
-        <p:spPr>
-          <a:xfrm>
-            <a:off x="1898826" y="927536"/>
-            <a:ext cx="374904" cy="284672"/>
-          </a:xfrm>
-          <a:prstGeom prst="rect">
-            <a:avLst/>
-          </a:prstGeom>
-          <a:solidFill>
-            <a:schemeClr val="bg1"/>
-          </a:solidFill>
-        </p:spPr>
-        <p:style>
-          <a:lnRef idx="2">
-            <a:schemeClr val="accent1">
-              <a:shade val="50000"/>
-            </a:schemeClr>
-          </a:lnRef>
-          <a:fillRef idx="1">
-            <a:schemeClr val="accent1"/>
-          </a:fillRef>
-          <a:effectRef idx="0">
-            <a:schemeClr val="accent1"/>
-          </a:effectRef>
-          <a:fontRef idx="minor">
-            <a:schemeClr val="lt1"/>
-          </a:fontRef>
-        </p:style>
-        <p:txBody>
-          <a:bodyPr wrap="none" rtlCol="0" anchor="ctr"/>
-          <a:lstStyle/>
-          <a:p>
-            <a:pPr algn="ctr"/>
-            <a:r>
-              <a:rPr lang="en-US" sz="1000" dirty="0" smtClean="0">
-                <a:solidFill>
-                  <a:schemeClr val="tx1"/>
-                </a:solidFill>
-              </a:rPr>
-              <a:t>Activity</a:t>
-            </a:r>
-            <a:endParaRPr lang="en-US" sz="1000" dirty="0">
-              <a:solidFill>
-                <a:schemeClr val="tx1"/>
-              </a:solidFill>
-            </a:endParaRPr>
-          </a:p>
-        </p:txBody>
-      </p:sp>
     </p:spTree>
     <p:extLst>
       <p:ext uri="{BB962C8B-B14F-4D97-AF65-F5344CB8AC3E}">
-        <p14:creationId xmlns:p14="http://schemas.microsoft.com/office/powerpoint/2010/main" val="1002991633"/>
+        <p14:creationId xmlns:p14="http://schemas.microsoft.com/office/powerpoint/2010/main" val="4202446702"/>
       </p:ext>
     </p:extLst>
   </p:cSld>
@@ -4405,14 +4273,14 @@
       </p:grpSpPr>
       <p:sp>
         <p:nvSpPr>
-          <p:cNvPr id="2" name="Rectangle 1"/>
+          <p:cNvPr id="3" name="Rectangle 2"/>
           <p:cNvSpPr/>
           <p:nvPr/>
         </p:nvSpPr>
         <p:spPr>
           <a:xfrm>
-            <a:off x="1953069" y="3933641"/>
-            <a:ext cx="5664056" cy="1561381"/>
+            <a:off x="1953069" y="1226706"/>
+            <a:ext cx="5664056" cy="4268315"/>
           </a:xfrm>
           <a:prstGeom prst="rect">
             <a:avLst/>
@@ -4445,7 +4313,7 @@
                   <a:schemeClr val="tx1"/>
                 </a:solidFill>
               </a:rPr>
-              <a:t>testds</a:t>
+              <a:t>fullds</a:t>
             </a:r>
             <a:endParaRPr lang="en-US" dirty="0">
               <a:solidFill>
@@ -4457,18 +4325,21 @@
       </p:sp>
       <p:sp>
         <p:nvSpPr>
-          <p:cNvPr id="3" name="Rectangle 2"/>
+          <p:cNvPr id="8" name="Rectangle 7"/>
           <p:cNvSpPr/>
           <p:nvPr/>
         </p:nvSpPr>
         <p:spPr>
           <a:xfrm>
-            <a:off x="1953069" y="1226707"/>
-            <a:ext cx="5664056" cy="2309004"/>
+            <a:off x="2717321" y="925718"/>
+            <a:ext cx="4899804" cy="284672"/>
           </a:xfrm>
           <a:prstGeom prst="rect">
             <a:avLst/>
           </a:prstGeom>
+          <a:solidFill>
+            <a:schemeClr val="bg1"/>
+          </a:solidFill>
         </p:spPr>
         <p:style>
           <a:lnRef idx="2">
@@ -4492,14 +4363,14 @@
           <a:p>
             <a:pPr algn="ctr"/>
             <a:r>
-              <a:rPr lang="en-US" dirty="0" err="1" smtClean="0">
+              <a:rPr lang="en-US" sz="1200" dirty="0" err="1" smtClean="0">
                 <a:solidFill>
                   <a:schemeClr val="tx1"/>
                 </a:solidFill>
               </a:rPr>
-              <a:t>trainds</a:t>
-            </a:r>
-            <a:endParaRPr lang="en-US" dirty="0">
+              <a:t>featuretxt</a:t>
+            </a:r>
+            <a:endParaRPr lang="en-US" sz="1200" dirty="0">
               <a:solidFill>
                 <a:schemeClr val="tx1"/>
               </a:solidFill>
@@ -4509,14 +4380,14 @@
       </p:sp>
       <p:sp>
         <p:nvSpPr>
-          <p:cNvPr id="8" name="Rectangle 7"/>
+          <p:cNvPr id="12" name="Rectangle 11"/>
           <p:cNvSpPr/>
           <p:nvPr/>
         </p:nvSpPr>
         <p:spPr>
           <a:xfrm>
-            <a:off x="2717321" y="925718"/>
-            <a:ext cx="4899804" cy="284672"/>
+            <a:off x="2334245" y="925718"/>
+            <a:ext cx="374904" cy="284672"/>
           </a:xfrm>
           <a:prstGeom prst="rect">
             <a:avLst/>
@@ -4542,19 +4413,19 @@
           </a:fontRef>
         </p:style>
         <p:txBody>
-          <a:bodyPr rtlCol="0" anchor="ctr"/>
+          <a:bodyPr wrap="none" rtlCol="0" anchor="ctr"/>
           <a:lstStyle/>
           <a:p>
             <a:pPr algn="ctr"/>
             <a:r>
-              <a:rPr lang="en-US" sz="1200" dirty="0" err="1" smtClean="0">
+              <a:rPr lang="en-US" sz="1000" dirty="0" smtClean="0">
                 <a:solidFill>
                   <a:schemeClr val="tx1"/>
                 </a:solidFill>
               </a:rPr>
-              <a:t>featuretxt</a:t>
-            </a:r>
-            <a:endParaRPr lang="en-US" sz="1200" dirty="0">
+              <a:t>Subject</a:t>
+            </a:r>
+            <a:endParaRPr lang="en-US" sz="1000" dirty="0">
               <a:solidFill>
                 <a:schemeClr val="tx1"/>
               </a:solidFill>
@@ -4564,14 +4435,14 @@
       </p:sp>
       <p:sp>
         <p:nvSpPr>
-          <p:cNvPr id="9" name="Rectangle 8"/>
+          <p:cNvPr id="13" name="Rectangle 12"/>
           <p:cNvSpPr/>
           <p:nvPr/>
         </p:nvSpPr>
         <p:spPr>
           <a:xfrm>
-            <a:off x="2725947" y="3620307"/>
-            <a:ext cx="4899804" cy="284672"/>
+            <a:off x="1953069" y="925718"/>
+            <a:ext cx="374904" cy="284672"/>
           </a:xfrm>
           <a:prstGeom prst="rect">
             <a:avLst/>
@@ -4597,80 +4468,17 @@
           </a:fontRef>
         </p:style>
         <p:txBody>
-          <a:bodyPr rtlCol="0" anchor="ctr"/>
+          <a:bodyPr wrap="none" rtlCol="0" anchor="ctr"/>
           <a:lstStyle/>
           <a:p>
             <a:pPr algn="ctr"/>
             <a:r>
-              <a:rPr lang="en-US" sz="1200" dirty="0" err="1" smtClean="0">
+              <a:rPr lang="en-US" sz="1000" dirty="0" smtClean="0">
                 <a:solidFill>
                   <a:schemeClr val="tx1"/>
                 </a:solidFill>
               </a:rPr>
-              <a:t>featuretxt</a:t>
-            </a:r>
-            <a:endParaRPr lang="en-US" sz="1200" dirty="0">
-              <a:solidFill>
-                <a:schemeClr val="tx1"/>
-              </a:solidFill>
-            </a:endParaRPr>
-          </a:p>
-        </p:txBody>
-      </p:sp>
-      <p:sp>
-        <p:nvSpPr>
-          <p:cNvPr id="10" name="Rectangle 9"/>
-          <p:cNvSpPr/>
-          <p:nvPr/>
-        </p:nvSpPr>
-        <p:spPr>
-          <a:xfrm>
-            <a:off x="2315500" y="3620307"/>
-            <a:ext cx="412394" cy="284672"/>
-          </a:xfrm>
-          <a:prstGeom prst="rect">
-            <a:avLst/>
-          </a:prstGeom>
-          <a:solidFill>
-            <a:schemeClr val="bg1"/>
-          </a:solidFill>
-        </p:spPr>
-        <p:style>
-          <a:lnRef idx="2">
-            <a:schemeClr val="accent1">
-              <a:shade val="50000"/>
-            </a:schemeClr>
-          </a:lnRef>
-          <a:fillRef idx="1">
-            <a:schemeClr val="accent1"/>
-          </a:fillRef>
-          <a:effectRef idx="0">
-            <a:schemeClr val="accent1"/>
-          </a:effectRef>
-          <a:fontRef idx="minor">
-            <a:schemeClr val="lt1"/>
-          </a:fontRef>
-        </p:style>
-        <p:txBody>
-          <a:bodyPr wrap="none" rtlCol="0" anchor="ctr"/>
-          <a:lstStyle/>
-          <a:p>
-            <a:pPr algn="ctr"/>
-            <a:r>
-              <a:rPr lang="en-US" sz="1000" dirty="0">
-                <a:solidFill>
-                  <a:schemeClr val="tx1"/>
-                </a:solidFill>
-              </a:rPr>
-              <a:t>S</a:t>
-            </a:r>
-            <a:r>
-              <a:rPr lang="en-US" sz="1000" dirty="0" smtClean="0">
-                <a:solidFill>
-                  <a:schemeClr val="tx1"/>
-                </a:solidFill>
-              </a:rPr>
-              <a:t>ubject</a:t>
+              <a:t>Activity</a:t>
             </a:r>
             <a:endParaRPr lang="en-US" sz="1000" dirty="0">
               <a:solidFill>
@@ -4680,188 +4488,16 @@
           </a:p>
         </p:txBody>
       </p:sp>
-      <p:sp>
-        <p:nvSpPr>
-          <p:cNvPr id="11" name="Rectangle 10"/>
-          <p:cNvSpPr/>
-          <p:nvPr/>
-        </p:nvSpPr>
-        <p:spPr>
-          <a:xfrm>
-            <a:off x="1918826" y="3620307"/>
-            <a:ext cx="412394" cy="284672"/>
-          </a:xfrm>
-          <a:prstGeom prst="rect">
-            <a:avLst/>
-          </a:prstGeom>
-          <a:solidFill>
-            <a:schemeClr val="bg1"/>
-          </a:solidFill>
-        </p:spPr>
-        <p:style>
-          <a:lnRef idx="2">
-            <a:schemeClr val="accent1">
-              <a:shade val="50000"/>
-            </a:schemeClr>
-          </a:lnRef>
-          <a:fillRef idx="1">
-            <a:schemeClr val="accent1"/>
-          </a:fillRef>
-          <a:effectRef idx="0">
-            <a:schemeClr val="accent1"/>
-          </a:effectRef>
-          <a:fontRef idx="minor">
-            <a:schemeClr val="lt1"/>
-          </a:fontRef>
-        </p:style>
-        <p:txBody>
-          <a:bodyPr wrap="none" rtlCol="0" anchor="ctr"/>
-          <a:lstStyle/>
-          <a:p>
-            <a:pPr algn="ctr"/>
-            <a:r>
-              <a:rPr lang="en-US" sz="1000" dirty="0" smtClean="0">
-                <a:solidFill>
-                  <a:schemeClr val="tx1"/>
-                </a:solidFill>
-              </a:rPr>
-              <a:t>Activity</a:t>
-            </a:r>
-            <a:endParaRPr lang="en-US" sz="1000" dirty="0">
-              <a:solidFill>
-                <a:schemeClr val="tx1"/>
-              </a:solidFill>
-            </a:endParaRPr>
-          </a:p>
-        </p:txBody>
-      </p:sp>
-      <p:sp>
-        <p:nvSpPr>
-          <p:cNvPr id="12" name="Rectangle 11"/>
-          <p:cNvSpPr/>
-          <p:nvPr/>
-        </p:nvSpPr>
-        <p:spPr>
-          <a:xfrm>
-            <a:off x="2334245" y="925718"/>
-            <a:ext cx="374904" cy="284672"/>
-          </a:xfrm>
-          <a:prstGeom prst="rect">
-            <a:avLst/>
-          </a:prstGeom>
-          <a:solidFill>
-            <a:schemeClr val="bg1"/>
-          </a:solidFill>
-        </p:spPr>
-        <p:style>
-          <a:lnRef idx="2">
-            <a:schemeClr val="accent1">
-              <a:shade val="50000"/>
-            </a:schemeClr>
-          </a:lnRef>
-          <a:fillRef idx="1">
-            <a:schemeClr val="accent1"/>
-          </a:fillRef>
-          <a:effectRef idx="0">
-            <a:schemeClr val="accent1"/>
-          </a:effectRef>
-          <a:fontRef idx="minor">
-            <a:schemeClr val="lt1"/>
-          </a:fontRef>
-        </p:style>
-        <p:txBody>
-          <a:bodyPr wrap="none" rtlCol="0" anchor="ctr"/>
-          <a:lstStyle/>
-          <a:p>
-            <a:pPr algn="ctr"/>
-            <a:r>
-              <a:rPr lang="en-US" sz="1000" dirty="0" smtClean="0">
-                <a:solidFill>
-                  <a:schemeClr val="tx1"/>
-                </a:solidFill>
-              </a:rPr>
-              <a:t>Subject</a:t>
-            </a:r>
-            <a:endParaRPr lang="en-US" sz="1000" dirty="0">
-              <a:solidFill>
-                <a:schemeClr val="tx1"/>
-              </a:solidFill>
-            </a:endParaRPr>
-          </a:p>
-        </p:txBody>
-      </p:sp>
-      <p:sp>
-        <p:nvSpPr>
-          <p:cNvPr id="13" name="Rectangle 12"/>
-          <p:cNvSpPr/>
-          <p:nvPr/>
-        </p:nvSpPr>
-        <p:spPr>
-          <a:xfrm>
-            <a:off x="1953069" y="925718"/>
-            <a:ext cx="374904" cy="284672"/>
-          </a:xfrm>
-          <a:prstGeom prst="rect">
-            <a:avLst/>
-          </a:prstGeom>
-          <a:solidFill>
-            <a:schemeClr val="bg1"/>
-          </a:solidFill>
-        </p:spPr>
-        <p:style>
-          <a:lnRef idx="2">
-            <a:schemeClr val="accent1">
-              <a:shade val="50000"/>
-            </a:schemeClr>
-          </a:lnRef>
-          <a:fillRef idx="1">
-            <a:schemeClr val="accent1"/>
-          </a:fillRef>
-          <a:effectRef idx="0">
-            <a:schemeClr val="accent1"/>
-          </a:effectRef>
-          <a:fontRef idx="minor">
-            <a:schemeClr val="lt1"/>
-          </a:fontRef>
-        </p:style>
-        <p:txBody>
-          <a:bodyPr wrap="none" rtlCol="0" anchor="ctr"/>
-          <a:lstStyle/>
-          <a:p>
-            <a:pPr algn="ctr"/>
-            <a:r>
-              <a:rPr lang="en-US" sz="1000" dirty="0" smtClean="0">
-                <a:solidFill>
-                  <a:schemeClr val="tx1"/>
-                </a:solidFill>
-              </a:rPr>
-              <a:t>Activity</a:t>
-            </a:r>
-            <a:endParaRPr lang="en-US" sz="1000" dirty="0">
-              <a:solidFill>
-                <a:schemeClr val="tx1"/>
-              </a:solidFill>
-            </a:endParaRPr>
-          </a:p>
-        </p:txBody>
-      </p:sp>
     </p:spTree>
     <p:extLst>
       <p:ext uri="{BB962C8B-B14F-4D97-AF65-F5344CB8AC3E}">
-        <p14:creationId xmlns:p14="http://schemas.microsoft.com/office/powerpoint/2010/main" val="4202446702"/>
+        <p14:creationId xmlns:p14="http://schemas.microsoft.com/office/powerpoint/2010/main" val="4063932370"/>
       </p:ext>
     </p:extLst>
   </p:cSld>
   <p:clrMapOvr>
     <a:masterClrMapping/>
   </p:clrMapOvr>
-  <p:timing>
-    <p:tnLst>
-      <p:par>
-        <p:cTn id="1" dur="indefinite" restart="never" nodeType="tmRoot"/>
-      </p:par>
-    </p:tnLst>
-  </p:timing>
 </p:sld>
 </file>
 
@@ -4891,7 +4527,7 @@
         <p:spPr>
           <a:xfrm>
             <a:off x="1953069" y="1226706"/>
-            <a:ext cx="5664056" cy="4268315"/>
+            <a:ext cx="3140139" cy="4268315"/>
           </a:xfrm>
           <a:prstGeom prst="rect">
             <a:avLst/>
@@ -4924,7 +4560,7 @@
                   <a:schemeClr val="tx1"/>
                 </a:solidFill>
               </a:rPr>
-              <a:t>fullds</a:t>
+              <a:t>tidyds</a:t>
             </a:r>
             <a:endParaRPr lang="en-US" dirty="0">
               <a:solidFill>
@@ -4943,7 +4579,7 @@
         <p:spPr>
           <a:xfrm>
             <a:off x="2717321" y="925718"/>
-            <a:ext cx="4899804" cy="284672"/>
+            <a:ext cx="2375887" cy="284672"/>
           </a:xfrm>
           <a:prstGeom prst="rect">
             <a:avLst/>
@@ -4972,14 +4608,42 @@
           <a:bodyPr rtlCol="0" anchor="ctr"/>
           <a:lstStyle/>
           <a:p>
-            <a:pPr algn="ctr"/>
+            <a:pPr algn="ctr">
+              <a:lnSpc>
+                <a:spcPct val="80000"/>
+              </a:lnSpc>
+            </a:pPr>
             <a:r>
               <a:rPr lang="en-US" sz="1200" dirty="0" err="1" smtClean="0">
                 <a:solidFill>
                   <a:schemeClr val="tx1"/>
                 </a:solidFill>
               </a:rPr>
-              <a:t>featuretxt</a:t>
+              <a:t>mean_std_cols</a:t>
+            </a:r>
+            <a:r>
+              <a:rPr lang="en-US" sz="1200" dirty="0" smtClean="0">
+                <a:solidFill>
+                  <a:schemeClr val="tx1"/>
+                </a:solidFill>
+              </a:rPr>
+              <a:t> (mean and </a:t>
+            </a:r>
+            <a:r>
+              <a:rPr lang="en-US" sz="1200" dirty="0" err="1" smtClean="0">
+                <a:solidFill>
+                  <a:schemeClr val="tx1"/>
+                </a:solidFill>
+              </a:rPr>
+              <a:t>std</a:t>
+            </a:r>
+            <a:r>
+              <a:rPr lang="en-US" sz="1200" dirty="0" smtClean="0">
+                <a:solidFill>
+                  <a:schemeClr val="tx1"/>
+                </a:solidFill>
+              </a:rPr>
+              <a:t> features)</a:t>
             </a:r>
             <a:endParaRPr lang="en-US" sz="1200" dirty="0">
               <a:solidFill>
@@ -5102,7 +4766,7 @@
     </p:spTree>
     <p:extLst>
       <p:ext uri="{BB962C8B-B14F-4D97-AF65-F5344CB8AC3E}">
-        <p14:creationId xmlns:p14="http://schemas.microsoft.com/office/powerpoint/2010/main" val="4063932370"/>
+        <p14:creationId xmlns:p14="http://schemas.microsoft.com/office/powerpoint/2010/main" val="2385081042"/>
       </p:ext>
     </p:extLst>
   </p:cSld>
